--- a/11. Git - tutorial - Milestones.pptx
+++ b/11. Git - tutorial - Milestones.pptx
@@ -5,7 +5,7 @@
     <p:sldMasterId id="2147483648" r:id="rId1"/>
   </p:sldMasterIdLst>
   <p:notesMasterIdLst>
-    <p:notesMasterId r:id="rId8"/>
+    <p:notesMasterId r:id="rId12"/>
   </p:notesMasterIdLst>
   <p:sldIdLst>
     <p:sldId id="310" r:id="rId2"/>
@@ -14,6 +14,10 @@
     <p:sldId id="317" r:id="rId5"/>
     <p:sldId id="318" r:id="rId6"/>
     <p:sldId id="319" r:id="rId7"/>
+    <p:sldId id="320" r:id="rId8"/>
+    <p:sldId id="321" r:id="rId9"/>
+    <p:sldId id="322" r:id="rId10"/>
+    <p:sldId id="323" r:id="rId11"/>
   </p:sldIdLst>
   <p:sldSz cx="9144000" cy="5143500" type="screen16x9"/>
   <p:notesSz cx="6858000" cy="9144000"/>
@@ -114,7 +118,7 @@
   </p:defaultTextStyle>
   <p:extLst>
     <p:ext uri="{EFAFB233-063F-42B5-8137-9DF3F51BA10A}">
-      <p15:sldGuideLst xmlns:p15="http://schemas.microsoft.com/office/powerpoint/2012/main" xmlns="">
+      <p15:sldGuideLst xmlns="" xmlns:p15="http://schemas.microsoft.com/office/powerpoint/2012/main">
         <p15:guide id="1" orient="horz" pos="1620">
           <p15:clr>
             <a:srgbClr val="A4A3A4"/>
@@ -213,7 +217,7 @@
           <a:p>
             <a:fld id="{F4CC630C-9AF6-49E5-9919-D038F5C57BFC}" type="datetimeFigureOut">
               <a:rPr lang="en-US" smtClean="0"/>
-              <a:t>5/5/2021</a:t>
+              <a:t>5/10/2021</a:t>
             </a:fld>
             <a:endParaRPr lang="en-US"/>
           </a:p>
@@ -662,7 +666,7 @@
           <a:p>
             <a:fld id="{F19922E3-32CA-40BB-949D-A04DA951D7AE}" type="datetimeFigureOut">
               <a:rPr lang="en-US" smtClean="0"/>
-              <a:t>5/5/2021</a:t>
+              <a:t>5/10/2021</a:t>
             </a:fld>
             <a:endParaRPr lang="en-US"/>
           </a:p>
@@ -832,7 +836,7 @@
           <a:p>
             <a:fld id="{F19922E3-32CA-40BB-949D-A04DA951D7AE}" type="datetimeFigureOut">
               <a:rPr lang="en-US" smtClean="0"/>
-              <a:t>5/5/2021</a:t>
+              <a:t>5/10/2021</a:t>
             </a:fld>
             <a:endParaRPr lang="en-US"/>
           </a:p>
@@ -1012,7 +1016,7 @@
           <a:p>
             <a:fld id="{F19922E3-32CA-40BB-949D-A04DA951D7AE}" type="datetimeFigureOut">
               <a:rPr lang="en-US" smtClean="0"/>
-              <a:t>5/5/2021</a:t>
+              <a:t>5/10/2021</a:t>
             </a:fld>
             <a:endParaRPr lang="en-US"/>
           </a:p>
@@ -1182,7 +1186,7 @@
           <a:p>
             <a:fld id="{F19922E3-32CA-40BB-949D-A04DA951D7AE}" type="datetimeFigureOut">
               <a:rPr lang="en-US" smtClean="0"/>
-              <a:t>5/5/2021</a:t>
+              <a:t>5/10/2021</a:t>
             </a:fld>
             <a:endParaRPr lang="en-US"/>
           </a:p>
@@ -1428,7 +1432,7 @@
           <a:p>
             <a:fld id="{F19922E3-32CA-40BB-949D-A04DA951D7AE}" type="datetimeFigureOut">
               <a:rPr lang="en-US" smtClean="0"/>
-              <a:t>5/5/2021</a:t>
+              <a:t>5/10/2021</a:t>
             </a:fld>
             <a:endParaRPr lang="en-US"/>
           </a:p>
@@ -1716,7 +1720,7 @@
           <a:p>
             <a:fld id="{F19922E3-32CA-40BB-949D-A04DA951D7AE}" type="datetimeFigureOut">
               <a:rPr lang="en-US" smtClean="0"/>
-              <a:t>5/5/2021</a:t>
+              <a:t>5/10/2021</a:t>
             </a:fld>
             <a:endParaRPr lang="en-US"/>
           </a:p>
@@ -2143,7 +2147,7 @@
           <a:p>
             <a:fld id="{F19922E3-32CA-40BB-949D-A04DA951D7AE}" type="datetimeFigureOut">
               <a:rPr lang="en-US" smtClean="0"/>
-              <a:t>5/5/2021</a:t>
+              <a:t>5/10/2021</a:t>
             </a:fld>
             <a:endParaRPr lang="en-US"/>
           </a:p>
@@ -2261,7 +2265,7 @@
           <a:p>
             <a:fld id="{F19922E3-32CA-40BB-949D-A04DA951D7AE}" type="datetimeFigureOut">
               <a:rPr lang="en-US" smtClean="0"/>
-              <a:t>5/5/2021</a:t>
+              <a:t>5/10/2021</a:t>
             </a:fld>
             <a:endParaRPr lang="en-US"/>
           </a:p>
@@ -2356,7 +2360,7 @@
           <a:p>
             <a:fld id="{F19922E3-32CA-40BB-949D-A04DA951D7AE}" type="datetimeFigureOut">
               <a:rPr lang="en-US" smtClean="0"/>
-              <a:t>5/5/2021</a:t>
+              <a:t>5/10/2021</a:t>
             </a:fld>
             <a:endParaRPr lang="en-US"/>
           </a:p>
@@ -2633,7 +2637,7 @@
           <a:p>
             <a:fld id="{F19922E3-32CA-40BB-949D-A04DA951D7AE}" type="datetimeFigureOut">
               <a:rPr lang="en-US" smtClean="0"/>
-              <a:t>5/5/2021</a:t>
+              <a:t>5/10/2021</a:t>
             </a:fld>
             <a:endParaRPr lang="en-US"/>
           </a:p>
@@ -2886,7 +2890,7 @@
           <a:p>
             <a:fld id="{F19922E3-32CA-40BB-949D-A04DA951D7AE}" type="datetimeFigureOut">
               <a:rPr lang="en-US" smtClean="0"/>
-              <a:t>5/5/2021</a:t>
+              <a:t>5/10/2021</a:t>
             </a:fld>
             <a:endParaRPr lang="en-US"/>
           </a:p>
@@ -3108,7 +3112,7 @@
           <a:p>
             <a:fld id="{F19922E3-32CA-40BB-949D-A04DA951D7AE}" type="datetimeFigureOut">
               <a:rPr lang="en-US" smtClean="0"/>
-              <a:t>5/5/2021</a:t>
+              <a:t>5/10/2021</a:t>
             </a:fld>
             <a:endParaRPr lang="en-US"/>
           </a:p>
@@ -3589,6 +3593,231 @@
 </p:sld>
 </file>
 
+<file path=ppt/slides/slide10.xml><?xml version="1.0" encoding="utf-8"?>
+<p:sld xmlns:a="http://schemas.openxmlformats.org/drawingml/2006/main" xmlns:r="http://schemas.openxmlformats.org/officeDocument/2006/relationships" xmlns:p="http://schemas.openxmlformats.org/presentationml/2006/main">
+  <p:cSld>
+    <p:spTree>
+      <p:nvGrpSpPr>
+        <p:cNvPr id="1" name=""/>
+        <p:cNvGrpSpPr/>
+        <p:nvPr/>
+      </p:nvGrpSpPr>
+      <p:grpSpPr>
+        <a:xfrm>
+          <a:off x="0" y="0"/>
+          <a:ext cx="0" cy="0"/>
+          <a:chOff x="0" y="0"/>
+          <a:chExt cx="0" cy="0"/>
+        </a:xfrm>
+      </p:grpSpPr>
+      <p:sp>
+        <p:nvSpPr>
+          <p:cNvPr id="3" name="Symbol zastępczy zawartości 2"/>
+          <p:cNvSpPr>
+            <a:spLocks noGrp="1"/>
+          </p:cNvSpPr>
+          <p:nvPr>
+            <p:ph idx="1"/>
+          </p:nvPr>
+        </p:nvSpPr>
+        <p:spPr>
+          <a:xfrm>
+            <a:off x="457200" y="1203598"/>
+            <a:ext cx="8229600" cy="2166888"/>
+          </a:xfrm>
+        </p:spPr>
+        <p:txBody>
+          <a:bodyPr>
+            <a:normAutofit fontScale="85000" lnSpcReduction="20000"/>
+          </a:bodyPr>
+          <a:lstStyle/>
+          <a:p>
+            <a:pPr>
+              <a:lnSpc>
+                <a:spcPct val="110000"/>
+              </a:lnSpc>
+            </a:pPr>
+            <a:r>
+              <a:rPr lang="pl-PL" sz="2600" dirty="0" smtClean="0">
+                <a:latin typeface="+mj-lt"/>
+              </a:rPr>
+              <a:t>Kamienie milowe mogą być </a:t>
+            </a:r>
+            <a:r>
+              <a:rPr lang="pl-PL" sz="2600" dirty="0" err="1" smtClean="0">
+                <a:latin typeface="+mj-lt"/>
+              </a:rPr>
+              <a:t>takrze</a:t>
+            </a:r>
+            <a:r>
+              <a:rPr lang="pl-PL" sz="2600" dirty="0" smtClean="0">
+                <a:latin typeface="+mj-lt"/>
+              </a:rPr>
+              <a:t> wykorzystywane jako </a:t>
+            </a:r>
+            <a:br>
+              <a:rPr lang="pl-PL" sz="2600" dirty="0" smtClean="0">
+                <a:latin typeface="+mj-lt"/>
+              </a:rPr>
+            </a:br>
+            <a:r>
+              <a:rPr lang="pl-PL" sz="2600" dirty="0" smtClean="0">
+                <a:latin typeface="+mj-lt"/>
+              </a:rPr>
+              <a:t>punkty kontrolne projektu.</a:t>
+            </a:r>
+          </a:p>
+          <a:p>
+            <a:pPr>
+              <a:lnSpc>
+                <a:spcPct val="110000"/>
+              </a:lnSpc>
+            </a:pPr>
+            <a:r>
+              <a:rPr lang="pl-PL" sz="2600" dirty="0" smtClean="0">
+                <a:latin typeface="+mj-lt"/>
+              </a:rPr>
+              <a:t>Aby wyświetlić listę punktów kontrolnych należy przejść do zakładki </a:t>
+            </a:r>
+            <a:r>
+              <a:rPr lang="pl-PL" sz="2600" b="1" dirty="0" smtClean="0">
+                <a:latin typeface="+mj-lt"/>
+              </a:rPr>
+              <a:t>Issue&gt;</a:t>
+            </a:r>
+            <a:r>
+              <a:rPr lang="pl-PL" sz="2600" b="1" dirty="0" err="1" smtClean="0">
+                <a:latin typeface="+mj-lt"/>
+              </a:rPr>
+              <a:t>Milestones</a:t>
+            </a:r>
+            <a:endParaRPr lang="pl-PL" sz="2600" b="1" dirty="0" smtClean="0">
+              <a:latin typeface="+mj-lt"/>
+            </a:endParaRPr>
+          </a:p>
+          <a:p>
+            <a:pPr>
+              <a:lnSpc>
+                <a:spcPct val="110000"/>
+              </a:lnSpc>
+            </a:pPr>
+            <a:r>
+              <a:rPr lang="pl-PL" sz="2600" dirty="0" smtClean="0">
+                <a:latin typeface="+mj-lt"/>
+              </a:rPr>
+              <a:t>Możesz przypisać punkty kontrolne do dowolnego problemu i zagadnienia w dowolnym projekcie lub grupie projektów</a:t>
+            </a:r>
+          </a:p>
+          <a:p>
+            <a:pPr marL="0" indent="0">
+              <a:lnSpc>
+                <a:spcPct val="110000"/>
+              </a:lnSpc>
+              <a:buNone/>
+            </a:pPr>
+            <a:endParaRPr lang="pl-PL" sz="2600" dirty="0" smtClean="0">
+              <a:latin typeface="+mj-lt"/>
+            </a:endParaRPr>
+          </a:p>
+        </p:txBody>
+      </p:sp>
+      <p:pic>
+        <p:nvPicPr>
+          <p:cNvPr id="1026" name="Picture 2" descr="GitHub - marek-saji/git-przewodnik: Przewodnik po Gicie. Na chwilę obecną  dość chaotyczny."/>
+          <p:cNvPicPr>
+            <a:picLocks noChangeAspect="1" noChangeArrowheads="1"/>
+          </p:cNvPicPr>
+          <p:nvPr/>
+        </p:nvPicPr>
+        <p:blipFill>
+          <a:blip r:embed="rId2" cstate="print">
+            <a:extLst>
+              <a:ext uri="{28A0092B-C50C-407E-A947-70E740481C1C}">
+                <a14:useLocalDpi xmlns:a14="http://schemas.microsoft.com/office/drawing/2010/main" val="0"/>
+              </a:ext>
+            </a:extLst>
+          </a:blip>
+          <a:srcRect/>
+          <a:stretch>
+            <a:fillRect/>
+          </a:stretch>
+        </p:blipFill>
+        <p:spPr bwMode="auto">
+          <a:xfrm>
+            <a:off x="6876256" y="103696"/>
+            <a:ext cx="2116656" cy="883878"/>
+          </a:xfrm>
+          <a:prstGeom prst="rect">
+            <a:avLst/>
+          </a:prstGeom>
+          <a:solidFill>
+            <a:schemeClr val="bg1"/>
+          </a:solidFill>
+          <a:extLst/>
+        </p:spPr>
+      </p:pic>
+      <p:sp>
+        <p:nvSpPr>
+          <p:cNvPr id="4" name="pole tekstowe 3"/>
+          <p:cNvSpPr txBox="1"/>
+          <p:nvPr/>
+        </p:nvSpPr>
+        <p:spPr>
+          <a:xfrm>
+            <a:off x="827584" y="673519"/>
+            <a:ext cx="4176464" cy="369332"/>
+          </a:xfrm>
+          <a:prstGeom prst="rect">
+            <a:avLst/>
+          </a:prstGeom>
+          <a:noFill/>
+        </p:spPr>
+        <p:txBody>
+          <a:bodyPr wrap="square" rtlCol="0">
+            <a:spAutoFit/>
+          </a:bodyPr>
+          <a:lstStyle/>
+          <a:p>
+            <a:r>
+              <a:rPr lang="pl-PL" b="1" dirty="0" smtClean="0">
+                <a:solidFill>
+                  <a:srgbClr val="E62D08"/>
+                </a:solidFill>
+                <a:latin typeface="Verdana" panose="020B0604030504040204" pitchFamily="34" charset="0"/>
+                <a:ea typeface="Verdana" panose="020B0604030504040204" pitchFamily="34" charset="0"/>
+              </a:rPr>
+              <a:t>Kamienie milowe w praktyce</a:t>
+            </a:r>
+            <a:endParaRPr lang="en-US" b="1" dirty="0">
+              <a:solidFill>
+                <a:srgbClr val="E62D08"/>
+              </a:solidFill>
+              <a:latin typeface="Verdana" panose="020B0604030504040204" pitchFamily="34" charset="0"/>
+              <a:ea typeface="Verdana" panose="020B0604030504040204" pitchFamily="34" charset="0"/>
+            </a:endParaRPr>
+          </a:p>
+        </p:txBody>
+      </p:sp>
+    </p:spTree>
+    <p:extLst>
+      <p:ext uri="{BB962C8B-B14F-4D97-AF65-F5344CB8AC3E}">
+        <p14:creationId xmlns:p14="http://schemas.microsoft.com/office/powerpoint/2010/main" val="1096046794"/>
+      </p:ext>
+    </p:extLst>
+  </p:cSld>
+  <p:clrMapOvr>
+    <a:masterClrMapping/>
+  </p:clrMapOvr>
+  <p:timing>
+    <p:tnLst>
+      <p:par>
+        <p:cTn id="1" dur="indefinite" restart="never" nodeType="tmRoot"/>
+      </p:par>
+    </p:tnLst>
+  </p:timing>
+</p:sld>
+</file>
+
 <file path=ppt/slides/slide2.xml><?xml version="1.0" encoding="utf-8"?>
 <p:sld xmlns:a="http://schemas.openxmlformats.org/drawingml/2006/main" xmlns:r="http://schemas.openxmlformats.org/officeDocument/2006/relationships" xmlns:p="http://schemas.openxmlformats.org/presentationml/2006/main">
   <p:cSld>
@@ -3930,9 +4159,6 @@
               </a:rPr>
               <a:t>Umożliwia zobrazowanie grupy zadań połączonych wg etykiet lub ustalony status (nieprzypisanych, przypisanych, ukończonych)</a:t>
             </a:r>
-            <a:endParaRPr lang="pl-PL" sz="2600" dirty="0" smtClean="0">
-              <a:latin typeface="+mj-lt"/>
-            </a:endParaRPr>
           </a:p>
         </p:txBody>
       </p:sp>
@@ -4011,17 +4237,7 @@
                 <a:latin typeface="Verdana" panose="020B0604030504040204" pitchFamily="34" charset="0"/>
                 <a:ea typeface="Verdana" panose="020B0604030504040204" pitchFamily="34" charset="0"/>
               </a:rPr>
-              <a:t>Kamienie </a:t>
-            </a:r>
-            <a:r>
-              <a:rPr lang="pl-PL" b="1" dirty="0">
-                <a:solidFill>
-                  <a:srgbClr val="E62D08"/>
-                </a:solidFill>
-                <a:latin typeface="Verdana" panose="020B0604030504040204" pitchFamily="34" charset="0"/>
-                <a:ea typeface="Verdana" panose="020B0604030504040204" pitchFamily="34" charset="0"/>
-              </a:rPr>
-              <a:t>milowe</a:t>
+              <a:t>Kamienie milowe</a:t>
             </a:r>
             <a:endParaRPr lang="en-US" b="1" dirty="0">
               <a:solidFill>
@@ -4101,13 +4317,7 @@
               <a:rPr lang="pl-PL" sz="2600" dirty="0" smtClean="0">
                 <a:latin typeface="+mj-lt"/>
               </a:rPr>
-              <a:t>Są pomocne w śledzeniu postępów </a:t>
-            </a:r>
-            <a:r>
-              <a:rPr lang="pl-PL" sz="2600" dirty="0" smtClean="0">
-                <a:latin typeface="+mj-lt"/>
-              </a:rPr>
-              <a:t>realizacji prac w określonym przedziale czasu.</a:t>
+              <a:t>Są pomocne w śledzeniu postępów realizacji prac w określonym przedziale czasu.</a:t>
             </a:r>
           </a:p>
           <a:p>
@@ -4623,6 +4833,667 @@
     <p:extLst>
       <p:ext uri="{BB962C8B-B14F-4D97-AF65-F5344CB8AC3E}">
         <p14:creationId xmlns:p14="http://schemas.microsoft.com/office/powerpoint/2010/main" val="212154851"/>
+      </p:ext>
+    </p:extLst>
+  </p:cSld>
+  <p:clrMapOvr>
+    <a:masterClrMapping/>
+  </p:clrMapOvr>
+  <p:timing>
+    <p:tnLst>
+      <p:par>
+        <p:cTn id="1" dur="indefinite" restart="never" nodeType="tmRoot"/>
+      </p:par>
+    </p:tnLst>
+  </p:timing>
+</p:sld>
+</file>
+
+<file path=ppt/slides/slide7.xml><?xml version="1.0" encoding="utf-8"?>
+<p:sld xmlns:a="http://schemas.openxmlformats.org/drawingml/2006/main" xmlns:r="http://schemas.openxmlformats.org/officeDocument/2006/relationships" xmlns:p="http://schemas.openxmlformats.org/presentationml/2006/main">
+  <p:cSld>
+    <p:spTree>
+      <p:nvGrpSpPr>
+        <p:cNvPr id="1" name=""/>
+        <p:cNvGrpSpPr/>
+        <p:nvPr/>
+      </p:nvGrpSpPr>
+      <p:grpSpPr>
+        <a:xfrm>
+          <a:off x="0" y="0"/>
+          <a:ext cx="0" cy="0"/>
+          <a:chOff x="0" y="0"/>
+          <a:chExt cx="0" cy="0"/>
+        </a:xfrm>
+      </p:grpSpPr>
+      <p:sp>
+        <p:nvSpPr>
+          <p:cNvPr id="3" name="Symbol zastępczy zawartości 2"/>
+          <p:cNvSpPr>
+            <a:spLocks noGrp="1"/>
+          </p:cNvSpPr>
+          <p:nvPr>
+            <p:ph idx="1"/>
+          </p:nvPr>
+        </p:nvSpPr>
+        <p:spPr>
+          <a:xfrm>
+            <a:off x="457200" y="1203598"/>
+            <a:ext cx="8229600" cy="2166888"/>
+          </a:xfrm>
+        </p:spPr>
+        <p:txBody>
+          <a:bodyPr>
+            <a:normAutofit fontScale="77500" lnSpcReduction="20000"/>
+          </a:bodyPr>
+          <a:lstStyle/>
+          <a:p>
+            <a:pPr>
+              <a:lnSpc>
+                <a:spcPct val="110000"/>
+              </a:lnSpc>
+            </a:pPr>
+            <a:r>
+              <a:rPr lang="pl-PL" sz="2600" dirty="0" smtClean="0">
+                <a:latin typeface="+mj-lt"/>
+              </a:rPr>
+              <a:t>Kamienie milowe stanowię b. dobre narzędzie dośledzenia i planowania pracy związanej z poszczególnymi zgłoszeniami </a:t>
+            </a:r>
+            <a:r>
+              <a:rPr lang="pl-PL" sz="2600" b="1" dirty="0" smtClean="0">
+                <a:latin typeface="+mj-lt"/>
+              </a:rPr>
+              <a:t>Issue </a:t>
+            </a:r>
+            <a:r>
+              <a:rPr lang="pl-PL" sz="2600" b="1" dirty="0" err="1" smtClean="0">
+                <a:latin typeface="+mj-lt"/>
+              </a:rPr>
+              <a:t>Table</a:t>
+            </a:r>
+            <a:endParaRPr lang="pl-PL" sz="2600" b="1" dirty="0" smtClean="0">
+              <a:latin typeface="+mj-lt"/>
+            </a:endParaRPr>
+          </a:p>
+          <a:p>
+            <a:pPr>
+              <a:lnSpc>
+                <a:spcPct val="110000"/>
+              </a:lnSpc>
+            </a:pPr>
+            <a:r>
+              <a:rPr lang="pl-PL" sz="2600" dirty="0" smtClean="0">
+                <a:latin typeface="+mj-lt"/>
+              </a:rPr>
+              <a:t>Umożliwiają odpowiednią organizację realizacji kolejnych zadań pomagając w planowaniu ich harmonogramu</a:t>
+            </a:r>
+          </a:p>
+          <a:p>
+            <a:pPr>
+              <a:lnSpc>
+                <a:spcPct val="110000"/>
+              </a:lnSpc>
+            </a:pPr>
+            <a:r>
+              <a:rPr lang="pl-PL" sz="2600" dirty="0" smtClean="0">
+                <a:latin typeface="+mj-lt"/>
+              </a:rPr>
+              <a:t>Pozwalają na scalanie w spójną grupę kilku zadań wraz z określeniem zakresów czasowych ich realizacji.</a:t>
+            </a:r>
+            <a:endParaRPr lang="pl-PL" sz="2600" dirty="0" smtClean="0">
+              <a:latin typeface="+mj-lt"/>
+            </a:endParaRPr>
+          </a:p>
+          <a:p>
+            <a:pPr marL="0" indent="0">
+              <a:lnSpc>
+                <a:spcPct val="110000"/>
+              </a:lnSpc>
+              <a:buNone/>
+            </a:pPr>
+            <a:endParaRPr lang="pl-PL" sz="2600" dirty="0" smtClean="0">
+              <a:latin typeface="+mj-lt"/>
+            </a:endParaRPr>
+          </a:p>
+        </p:txBody>
+      </p:sp>
+      <p:pic>
+        <p:nvPicPr>
+          <p:cNvPr id="1026" name="Picture 2" descr="GitHub - marek-saji/git-przewodnik: Przewodnik po Gicie. Na chwilę obecną  dość chaotyczny."/>
+          <p:cNvPicPr>
+            <a:picLocks noChangeAspect="1" noChangeArrowheads="1"/>
+          </p:cNvPicPr>
+          <p:nvPr/>
+        </p:nvPicPr>
+        <p:blipFill>
+          <a:blip r:embed="rId2" cstate="print">
+            <a:extLst>
+              <a:ext uri="{28A0092B-C50C-407E-A947-70E740481C1C}">
+                <a14:useLocalDpi xmlns:a14="http://schemas.microsoft.com/office/drawing/2010/main" val="0"/>
+              </a:ext>
+            </a:extLst>
+          </a:blip>
+          <a:srcRect/>
+          <a:stretch>
+            <a:fillRect/>
+          </a:stretch>
+        </p:blipFill>
+        <p:spPr bwMode="auto">
+          <a:xfrm>
+            <a:off x="6876256" y="103696"/>
+            <a:ext cx="2116656" cy="883878"/>
+          </a:xfrm>
+          <a:prstGeom prst="rect">
+            <a:avLst/>
+          </a:prstGeom>
+          <a:solidFill>
+            <a:schemeClr val="bg1"/>
+          </a:solidFill>
+          <a:extLst/>
+        </p:spPr>
+      </p:pic>
+      <p:sp>
+        <p:nvSpPr>
+          <p:cNvPr id="4" name="pole tekstowe 3"/>
+          <p:cNvSpPr txBox="1"/>
+          <p:nvPr/>
+        </p:nvSpPr>
+        <p:spPr>
+          <a:xfrm>
+            <a:off x="827584" y="673519"/>
+            <a:ext cx="4176464" cy="369332"/>
+          </a:xfrm>
+          <a:prstGeom prst="rect">
+            <a:avLst/>
+          </a:prstGeom>
+          <a:noFill/>
+        </p:spPr>
+        <p:txBody>
+          <a:bodyPr wrap="square" rtlCol="0">
+            <a:spAutoFit/>
+          </a:bodyPr>
+          <a:lstStyle/>
+          <a:p>
+            <a:r>
+              <a:rPr lang="pl-PL" b="1" dirty="0" smtClean="0">
+                <a:solidFill>
+                  <a:srgbClr val="E62D08"/>
+                </a:solidFill>
+                <a:latin typeface="Verdana" panose="020B0604030504040204" pitchFamily="34" charset="0"/>
+                <a:ea typeface="Verdana" panose="020B0604030504040204" pitchFamily="34" charset="0"/>
+              </a:rPr>
+              <a:t>Kamienie milowe w praktyce</a:t>
+            </a:r>
+            <a:endParaRPr lang="en-US" b="1" dirty="0">
+              <a:solidFill>
+                <a:srgbClr val="E62D08"/>
+              </a:solidFill>
+              <a:latin typeface="Verdana" panose="020B0604030504040204" pitchFamily="34" charset="0"/>
+              <a:ea typeface="Verdana" panose="020B0604030504040204" pitchFamily="34" charset="0"/>
+            </a:endParaRPr>
+          </a:p>
+        </p:txBody>
+      </p:sp>
+    </p:spTree>
+    <p:extLst>
+      <p:ext uri="{BB962C8B-B14F-4D97-AF65-F5344CB8AC3E}">
+        <p14:creationId xmlns:p14="http://schemas.microsoft.com/office/powerpoint/2010/main" val="378039243"/>
+      </p:ext>
+    </p:extLst>
+  </p:cSld>
+  <p:clrMapOvr>
+    <a:masterClrMapping/>
+  </p:clrMapOvr>
+  <p:timing>
+    <p:tnLst>
+      <p:par>
+        <p:cTn id="1" dur="indefinite" restart="never" nodeType="tmRoot"/>
+      </p:par>
+    </p:tnLst>
+  </p:timing>
+</p:sld>
+</file>
+
+<file path=ppt/slides/slide8.xml><?xml version="1.0" encoding="utf-8"?>
+<p:sld xmlns:a="http://schemas.openxmlformats.org/drawingml/2006/main" xmlns:r="http://schemas.openxmlformats.org/officeDocument/2006/relationships" xmlns:p="http://schemas.openxmlformats.org/presentationml/2006/main">
+  <p:cSld>
+    <p:spTree>
+      <p:nvGrpSpPr>
+        <p:cNvPr id="1" name=""/>
+        <p:cNvGrpSpPr/>
+        <p:nvPr/>
+      </p:nvGrpSpPr>
+      <p:grpSpPr>
+        <a:xfrm>
+          <a:off x="0" y="0"/>
+          <a:ext cx="0" cy="0"/>
+          <a:chOff x="0" y="0"/>
+          <a:chExt cx="0" cy="0"/>
+        </a:xfrm>
+      </p:grpSpPr>
+      <p:sp>
+        <p:nvSpPr>
+          <p:cNvPr id="3" name="Symbol zastępczy zawartości 2"/>
+          <p:cNvSpPr>
+            <a:spLocks noGrp="1"/>
+          </p:cNvSpPr>
+          <p:nvPr>
+            <p:ph idx="1"/>
+          </p:nvPr>
+        </p:nvSpPr>
+        <p:spPr>
+          <a:xfrm>
+            <a:off x="457200" y="1203598"/>
+            <a:ext cx="8229600" cy="2166888"/>
+          </a:xfrm>
+        </p:spPr>
+        <p:txBody>
+          <a:bodyPr>
+            <a:normAutofit fontScale="70000" lnSpcReduction="20000"/>
+          </a:bodyPr>
+          <a:lstStyle/>
+          <a:p>
+            <a:pPr>
+              <a:lnSpc>
+                <a:spcPct val="110000"/>
+              </a:lnSpc>
+            </a:pPr>
+            <a:r>
+              <a:rPr lang="pl-PL" sz="2600" dirty="0" smtClean="0">
+                <a:latin typeface="+mj-lt"/>
+              </a:rPr>
+              <a:t>Kamienie milowe mogą być wykorzystywane przy planowaniu </a:t>
+            </a:r>
+            <a:br>
+              <a:rPr lang="pl-PL" sz="2600" dirty="0" smtClean="0">
+                <a:latin typeface="+mj-lt"/>
+              </a:rPr>
+            </a:br>
+            <a:r>
+              <a:rPr lang="pl-PL" sz="2600" dirty="0" smtClean="0">
+                <a:latin typeface="+mj-lt"/>
+              </a:rPr>
+              <a:t>kolejnych cykli rozwoju oprogramowania.</a:t>
+            </a:r>
+          </a:p>
+          <a:p>
+            <a:pPr marL="0" indent="0">
+              <a:lnSpc>
+                <a:spcPct val="110000"/>
+              </a:lnSpc>
+              <a:buNone/>
+            </a:pPr>
+            <a:r>
+              <a:rPr lang="pl-PL" sz="2600" dirty="0" smtClean="0">
+                <a:latin typeface="+mj-lt"/>
+              </a:rPr>
+              <a:t>Aby to zrobić należy:</a:t>
+            </a:r>
+          </a:p>
+          <a:p>
+            <a:pPr>
+              <a:lnSpc>
+                <a:spcPct val="110000"/>
+              </a:lnSpc>
+            </a:pPr>
+            <a:r>
+              <a:rPr lang="pl-PL" sz="2600" dirty="0" smtClean="0">
+                <a:latin typeface="+mj-lt"/>
+              </a:rPr>
+              <a:t>Ustawić datę rozpoczęcia i zakończenia kamienia milowego</a:t>
+            </a:r>
+          </a:p>
+          <a:p>
+            <a:pPr>
+              <a:lnSpc>
+                <a:spcPct val="110000"/>
+              </a:lnSpc>
+            </a:pPr>
+            <a:r>
+              <a:rPr lang="pl-PL" sz="2600" dirty="0" smtClean="0">
+                <a:latin typeface="+mj-lt"/>
+              </a:rPr>
+              <a:t>Ustaw właściwy tytuł i temat zagadnienia</a:t>
+            </a:r>
+          </a:p>
+          <a:p>
+            <a:pPr>
+              <a:lnSpc>
+                <a:spcPct val="110000"/>
+              </a:lnSpc>
+            </a:pPr>
+            <a:r>
+              <a:rPr lang="pl-PL" sz="2600" dirty="0" smtClean="0">
+                <a:latin typeface="+mj-lt"/>
+              </a:rPr>
+              <a:t>Dodaj zgłoszenie do tablicy, przypisując do niego stworzony kamień milowy</a:t>
+            </a:r>
+            <a:endParaRPr lang="pl-PL" sz="2600" dirty="0" smtClean="0">
+              <a:latin typeface="+mj-lt"/>
+            </a:endParaRPr>
+          </a:p>
+          <a:p>
+            <a:pPr marL="0" indent="0">
+              <a:lnSpc>
+                <a:spcPct val="110000"/>
+              </a:lnSpc>
+              <a:buNone/>
+            </a:pPr>
+            <a:endParaRPr lang="pl-PL" sz="2600" dirty="0" smtClean="0">
+              <a:latin typeface="+mj-lt"/>
+            </a:endParaRPr>
+          </a:p>
+        </p:txBody>
+      </p:sp>
+      <p:pic>
+        <p:nvPicPr>
+          <p:cNvPr id="1026" name="Picture 2" descr="GitHub - marek-saji/git-przewodnik: Przewodnik po Gicie. Na chwilę obecną  dość chaotyczny."/>
+          <p:cNvPicPr>
+            <a:picLocks noChangeAspect="1" noChangeArrowheads="1"/>
+          </p:cNvPicPr>
+          <p:nvPr/>
+        </p:nvPicPr>
+        <p:blipFill>
+          <a:blip r:embed="rId2" cstate="print">
+            <a:extLst>
+              <a:ext uri="{28A0092B-C50C-407E-A947-70E740481C1C}">
+                <a14:useLocalDpi xmlns:a14="http://schemas.microsoft.com/office/drawing/2010/main" val="0"/>
+              </a:ext>
+            </a:extLst>
+          </a:blip>
+          <a:srcRect/>
+          <a:stretch>
+            <a:fillRect/>
+          </a:stretch>
+        </p:blipFill>
+        <p:spPr bwMode="auto">
+          <a:xfrm>
+            <a:off x="6876256" y="103696"/>
+            <a:ext cx="2116656" cy="883878"/>
+          </a:xfrm>
+          <a:prstGeom prst="rect">
+            <a:avLst/>
+          </a:prstGeom>
+          <a:solidFill>
+            <a:schemeClr val="bg1"/>
+          </a:solidFill>
+          <a:extLst/>
+        </p:spPr>
+      </p:pic>
+      <p:sp>
+        <p:nvSpPr>
+          <p:cNvPr id="4" name="pole tekstowe 3"/>
+          <p:cNvSpPr txBox="1"/>
+          <p:nvPr/>
+        </p:nvSpPr>
+        <p:spPr>
+          <a:xfrm>
+            <a:off x="827584" y="673519"/>
+            <a:ext cx="4176464" cy="369332"/>
+          </a:xfrm>
+          <a:prstGeom prst="rect">
+            <a:avLst/>
+          </a:prstGeom>
+          <a:noFill/>
+        </p:spPr>
+        <p:txBody>
+          <a:bodyPr wrap="square" rtlCol="0">
+            <a:spAutoFit/>
+          </a:bodyPr>
+          <a:lstStyle/>
+          <a:p>
+            <a:r>
+              <a:rPr lang="pl-PL" b="1" dirty="0" smtClean="0">
+                <a:solidFill>
+                  <a:srgbClr val="E62D08"/>
+                </a:solidFill>
+                <a:latin typeface="Verdana" panose="020B0604030504040204" pitchFamily="34" charset="0"/>
+                <a:ea typeface="Verdana" panose="020B0604030504040204" pitchFamily="34" charset="0"/>
+              </a:rPr>
+              <a:t>Kamienie milowe w praktyce</a:t>
+            </a:r>
+            <a:endParaRPr lang="en-US" b="1" dirty="0">
+              <a:solidFill>
+                <a:srgbClr val="E62D08"/>
+              </a:solidFill>
+              <a:latin typeface="Verdana" panose="020B0604030504040204" pitchFamily="34" charset="0"/>
+              <a:ea typeface="Verdana" panose="020B0604030504040204" pitchFamily="34" charset="0"/>
+            </a:endParaRPr>
+          </a:p>
+        </p:txBody>
+      </p:sp>
+    </p:spTree>
+    <p:extLst>
+      <p:ext uri="{BB962C8B-B14F-4D97-AF65-F5344CB8AC3E}">
+        <p14:creationId xmlns:p14="http://schemas.microsoft.com/office/powerpoint/2010/main" val="510405261"/>
+      </p:ext>
+    </p:extLst>
+  </p:cSld>
+  <p:clrMapOvr>
+    <a:masterClrMapping/>
+  </p:clrMapOvr>
+  <p:timing>
+    <p:tnLst>
+      <p:par>
+        <p:cTn id="1" dur="indefinite" restart="never" nodeType="tmRoot"/>
+      </p:par>
+    </p:tnLst>
+  </p:timing>
+</p:sld>
+</file>
+
+<file path=ppt/slides/slide9.xml><?xml version="1.0" encoding="utf-8"?>
+<p:sld xmlns:a="http://schemas.openxmlformats.org/drawingml/2006/main" xmlns:r="http://schemas.openxmlformats.org/officeDocument/2006/relationships" xmlns:p="http://schemas.openxmlformats.org/presentationml/2006/main">
+  <p:cSld>
+    <p:spTree>
+      <p:nvGrpSpPr>
+        <p:cNvPr id="1" name=""/>
+        <p:cNvGrpSpPr/>
+        <p:nvPr/>
+      </p:nvGrpSpPr>
+      <p:grpSpPr>
+        <a:xfrm>
+          <a:off x="0" y="0"/>
+          <a:ext cx="0" cy="0"/>
+          <a:chOff x="0" y="0"/>
+          <a:chExt cx="0" cy="0"/>
+        </a:xfrm>
+      </p:grpSpPr>
+      <p:sp>
+        <p:nvSpPr>
+          <p:cNvPr id="3" name="Symbol zastępczy zawartości 2"/>
+          <p:cNvSpPr>
+            <a:spLocks noGrp="1"/>
+          </p:cNvSpPr>
+          <p:nvPr>
+            <p:ph idx="1"/>
+          </p:nvPr>
+        </p:nvSpPr>
+        <p:spPr>
+          <a:xfrm>
+            <a:off x="457200" y="1203598"/>
+            <a:ext cx="8229600" cy="2166888"/>
+          </a:xfrm>
+        </p:spPr>
+        <p:txBody>
+          <a:bodyPr>
+            <a:normAutofit fontScale="62500" lnSpcReduction="20000"/>
+          </a:bodyPr>
+          <a:lstStyle/>
+          <a:p>
+            <a:pPr>
+              <a:lnSpc>
+                <a:spcPct val="110000"/>
+              </a:lnSpc>
+            </a:pPr>
+            <a:r>
+              <a:rPr lang="pl-PL" sz="2600" dirty="0" smtClean="0">
+                <a:latin typeface="+mj-lt"/>
+              </a:rPr>
+              <a:t>Kamienie milowe mogą być wykorzystywane przy planowaniu </a:t>
+            </a:r>
+            <a:br>
+              <a:rPr lang="pl-PL" sz="2600" dirty="0" smtClean="0">
+                <a:latin typeface="+mj-lt"/>
+              </a:rPr>
+            </a:br>
+            <a:r>
+              <a:rPr lang="pl-PL" sz="2600" dirty="0" smtClean="0">
+                <a:latin typeface="+mj-lt"/>
+              </a:rPr>
+              <a:t>kolejnych wydań oprogramowania.</a:t>
+            </a:r>
+          </a:p>
+          <a:p>
+            <a:pPr marL="0" indent="0">
+              <a:lnSpc>
+                <a:spcPct val="110000"/>
+              </a:lnSpc>
+              <a:buNone/>
+            </a:pPr>
+            <a:r>
+              <a:rPr lang="pl-PL" sz="2600" dirty="0" smtClean="0">
+                <a:latin typeface="+mj-lt"/>
+              </a:rPr>
+              <a:t>Aby to zrobić należy:</a:t>
+            </a:r>
+          </a:p>
+          <a:p>
+            <a:pPr>
+              <a:lnSpc>
+                <a:spcPct val="110000"/>
+              </a:lnSpc>
+            </a:pPr>
+            <a:r>
+              <a:rPr lang="pl-PL" sz="2600" dirty="0" smtClean="0">
+                <a:latin typeface="+mj-lt"/>
+              </a:rPr>
+              <a:t>Ustawić datę zakończenia kamienia milowego, tak aby odpowiada planowanemu terminowi wydania</a:t>
+            </a:r>
+          </a:p>
+          <a:p>
+            <a:pPr>
+              <a:lnSpc>
+                <a:spcPct val="110000"/>
+              </a:lnSpc>
+            </a:pPr>
+            <a:r>
+              <a:rPr lang="pl-PL" sz="2600" dirty="0" smtClean="0">
+                <a:latin typeface="+mj-lt"/>
+              </a:rPr>
+              <a:t>Ustaw właściwy tytuł kamienia np. Wersja 1.0</a:t>
+            </a:r>
+          </a:p>
+          <a:p>
+            <a:pPr>
+              <a:lnSpc>
+                <a:spcPct val="110000"/>
+              </a:lnSpc>
+            </a:pPr>
+            <a:r>
+              <a:rPr lang="pl-PL" sz="2600" dirty="0" smtClean="0">
+                <a:latin typeface="+mj-lt"/>
+              </a:rPr>
+              <a:t>Dodaj zgłoszenie do wydania, przypisując do niego stworzony kamień milowy</a:t>
+            </a:r>
+            <a:endParaRPr lang="pl-PL" sz="2600" dirty="0" smtClean="0">
+              <a:latin typeface="+mj-lt"/>
+            </a:endParaRPr>
+          </a:p>
+          <a:p>
+            <a:pPr marL="0" indent="0">
+              <a:lnSpc>
+                <a:spcPct val="110000"/>
+              </a:lnSpc>
+              <a:buNone/>
+            </a:pPr>
+            <a:endParaRPr lang="pl-PL" sz="2600" dirty="0" smtClean="0">
+              <a:latin typeface="+mj-lt"/>
+            </a:endParaRPr>
+          </a:p>
+        </p:txBody>
+      </p:sp>
+      <p:pic>
+        <p:nvPicPr>
+          <p:cNvPr id="1026" name="Picture 2" descr="GitHub - marek-saji/git-przewodnik: Przewodnik po Gicie. Na chwilę obecną  dość chaotyczny."/>
+          <p:cNvPicPr>
+            <a:picLocks noChangeAspect="1" noChangeArrowheads="1"/>
+          </p:cNvPicPr>
+          <p:nvPr/>
+        </p:nvPicPr>
+        <p:blipFill>
+          <a:blip r:embed="rId2" cstate="print">
+            <a:extLst>
+              <a:ext uri="{28A0092B-C50C-407E-A947-70E740481C1C}">
+                <a14:useLocalDpi xmlns:a14="http://schemas.microsoft.com/office/drawing/2010/main" val="0"/>
+              </a:ext>
+            </a:extLst>
+          </a:blip>
+          <a:srcRect/>
+          <a:stretch>
+            <a:fillRect/>
+          </a:stretch>
+        </p:blipFill>
+        <p:spPr bwMode="auto">
+          <a:xfrm>
+            <a:off x="6876256" y="103696"/>
+            <a:ext cx="2116656" cy="883878"/>
+          </a:xfrm>
+          <a:prstGeom prst="rect">
+            <a:avLst/>
+          </a:prstGeom>
+          <a:solidFill>
+            <a:schemeClr val="bg1"/>
+          </a:solidFill>
+          <a:extLst/>
+        </p:spPr>
+      </p:pic>
+      <p:sp>
+        <p:nvSpPr>
+          <p:cNvPr id="4" name="pole tekstowe 3"/>
+          <p:cNvSpPr txBox="1"/>
+          <p:nvPr/>
+        </p:nvSpPr>
+        <p:spPr>
+          <a:xfrm>
+            <a:off x="827584" y="673519"/>
+            <a:ext cx="4176464" cy="369332"/>
+          </a:xfrm>
+          <a:prstGeom prst="rect">
+            <a:avLst/>
+          </a:prstGeom>
+          <a:noFill/>
+        </p:spPr>
+        <p:txBody>
+          <a:bodyPr wrap="square" rtlCol="0">
+            <a:spAutoFit/>
+          </a:bodyPr>
+          <a:lstStyle/>
+          <a:p>
+            <a:r>
+              <a:rPr lang="pl-PL" b="1" dirty="0" smtClean="0">
+                <a:solidFill>
+                  <a:srgbClr val="E62D08"/>
+                </a:solidFill>
+                <a:latin typeface="Verdana" panose="020B0604030504040204" pitchFamily="34" charset="0"/>
+                <a:ea typeface="Verdana" panose="020B0604030504040204" pitchFamily="34" charset="0"/>
+              </a:rPr>
+              <a:t>Kamienie milowe w praktyce</a:t>
+            </a:r>
+            <a:endParaRPr lang="en-US" b="1" dirty="0">
+              <a:solidFill>
+                <a:srgbClr val="E62D08"/>
+              </a:solidFill>
+              <a:latin typeface="Verdana" panose="020B0604030504040204" pitchFamily="34" charset="0"/>
+              <a:ea typeface="Verdana" panose="020B0604030504040204" pitchFamily="34" charset="0"/>
+            </a:endParaRPr>
+          </a:p>
+        </p:txBody>
+      </p:sp>
+    </p:spTree>
+    <p:extLst>
+      <p:ext uri="{BB962C8B-B14F-4D97-AF65-F5344CB8AC3E}">
+        <p14:creationId xmlns:p14="http://schemas.microsoft.com/office/powerpoint/2010/main" val="1815648170"/>
       </p:ext>
     </p:extLst>
   </p:cSld>
